--- a/Proposal.pptx
+++ b/Proposal.pptx
@@ -12,15 +12,16 @@
     <p:sldId id="263" r:id="rId6"/>
     <p:sldId id="260" r:id="rId7"/>
     <p:sldId id="262" r:id="rId8"/>
-    <p:sldId id="268" r:id="rId9"/>
-    <p:sldId id="269" r:id="rId10"/>
-    <p:sldId id="270" r:id="rId11"/>
-    <p:sldId id="271" r:id="rId12"/>
-    <p:sldId id="273" r:id="rId13"/>
-    <p:sldId id="274" r:id="rId14"/>
-    <p:sldId id="272" r:id="rId15"/>
-    <p:sldId id="264" r:id="rId16"/>
-    <p:sldId id="275" r:id="rId17"/>
+    <p:sldId id="276" r:id="rId9"/>
+    <p:sldId id="268" r:id="rId10"/>
+    <p:sldId id="269" r:id="rId11"/>
+    <p:sldId id="270" r:id="rId12"/>
+    <p:sldId id="271" r:id="rId13"/>
+    <p:sldId id="273" r:id="rId14"/>
+    <p:sldId id="274" r:id="rId15"/>
+    <p:sldId id="272" r:id="rId16"/>
+    <p:sldId id="264" r:id="rId17"/>
+    <p:sldId id="275" r:id="rId18"/>
   </p:sldIdLst>
   <p:sldSz cx="12192000" cy="6858000"/>
   <p:notesSz cx="6858000" cy="9144000"/>
@@ -7723,6 +7724,440 @@
 </file>
 
 <file path=ppt/slides/slide10.xml><?xml version="1.0" encoding="utf-8"?>
+<p:sld xmlns:a="http://schemas.openxmlformats.org/drawingml/2006/main" xmlns:r="http://schemas.openxmlformats.org/officeDocument/2006/relationships" xmlns:p="http://schemas.openxmlformats.org/presentationml/2006/main">
+  <p:cSld>
+    <p:spTree>
+      <p:nvGrpSpPr>
+        <p:cNvPr id="1" name=""/>
+        <p:cNvGrpSpPr/>
+        <p:nvPr/>
+      </p:nvGrpSpPr>
+      <p:grpSpPr>
+        <a:xfrm>
+          <a:off x="0" y="0"/>
+          <a:ext cx="0" cy="0"/>
+          <a:chOff x="0" y="0"/>
+          <a:chExt cx="0" cy="0"/>
+        </a:xfrm>
+      </p:grpSpPr>
+      <p:sp>
+        <p:nvSpPr>
+          <p:cNvPr id="2" name="Title 1"/>
+          <p:cNvSpPr>
+            <a:spLocks noGrp="1"/>
+          </p:cNvSpPr>
+          <p:nvPr>
+            <p:ph type="title"/>
+          </p:nvPr>
+        </p:nvSpPr>
+        <p:spPr/>
+        <p:txBody>
+          <a:bodyPr/>
+          <a:lstStyle/>
+          <a:p>
+            <a:pPr>
+              <a:lnSpc>
+                <a:spcPct val="150000"/>
+              </a:lnSpc>
+            </a:pPr>
+            <a:r>
+              <a:rPr lang="en-US" dirty="0"/>
+              <a:t>Error Frequency Analysis (Rule-Based)</a:t>
+            </a:r>
+          </a:p>
+        </p:txBody>
+      </p:sp>
+      <p:sp>
+        <p:nvSpPr>
+          <p:cNvPr id="3" name="Content Placeholder 2"/>
+          <p:cNvSpPr>
+            <a:spLocks noGrp="1"/>
+          </p:cNvSpPr>
+          <p:nvPr>
+            <p:ph sz="half" idx="1"/>
+          </p:nvPr>
+        </p:nvSpPr>
+        <p:spPr/>
+        <p:txBody>
+          <a:bodyPr>
+            <a:normAutofit fontScale="85000" lnSpcReduction="20000"/>
+          </a:bodyPr>
+          <a:lstStyle/>
+          <a:p>
+            <a:pPr algn="just">
+              <a:lnSpc>
+                <a:spcPct val="160000"/>
+              </a:lnSpc>
+              <a:spcBef>
+                <a:spcPts val="0"/>
+              </a:spcBef>
+            </a:pPr>
+            <a:r>
+              <a:rPr lang="en-US" dirty="0"/>
+              <a:t>Checks how often a user makes the same error (like typing "</a:t>
+            </a:r>
+            <a:r>
+              <a:rPr lang="en-US" dirty="0" err="1"/>
+              <a:t>teh</a:t>
+            </a:r>
+            <a:r>
+              <a:rPr lang="en-US" dirty="0"/>
+              <a:t>").</a:t>
+            </a:r>
+          </a:p>
+          <a:p>
+            <a:pPr algn="just">
+              <a:lnSpc>
+                <a:spcPct val="160000"/>
+              </a:lnSpc>
+              <a:spcBef>
+                <a:spcPts val="0"/>
+              </a:spcBef>
+            </a:pPr>
+            <a:r>
+              <a:rPr lang="en-US" dirty="0"/>
+              <a:t>If the error frequency crosses a threshold → applies a correction rule automatically</a:t>
+            </a:r>
+            <a:r>
+              <a:rPr lang="en-US" dirty="0" smtClean="0"/>
+              <a:t>.</a:t>
+            </a:r>
+            <a:endParaRPr lang="en-US" dirty="0"/>
+          </a:p>
+        </p:txBody>
+      </p:sp>
+      <mc:AlternateContent xmlns:mc="http://schemas.openxmlformats.org/markup-compatibility/2006" xmlns:a14="http://schemas.microsoft.com/office/drawing/2010/main">
+        <mc:Choice Requires="a14">
+          <p:sp>
+            <p:nvSpPr>
+              <p:cNvPr id="4" name="Content Placeholder 3"/>
+              <p:cNvSpPr>
+                <a:spLocks noGrp="1"/>
+              </p:cNvSpPr>
+              <p:nvPr>
+                <p:ph sz="half" idx="2"/>
+              </p:nvPr>
+            </p:nvSpPr>
+            <p:spPr/>
+            <p:txBody>
+              <a:bodyPr>
+                <a:normAutofit fontScale="85000" lnSpcReduction="20000"/>
+              </a:bodyPr>
+              <a:lstStyle/>
+              <a:p>
+                <a:pPr algn="just">
+                  <a:lnSpc>
+                    <a:spcPct val="170000"/>
+                  </a:lnSpc>
+                  <a:spcBef>
+                    <a:spcPts val="0"/>
+                  </a:spcBef>
+                </a:pPr>
+                <a:r>
+                  <a:rPr lang="en-GB" b="1" dirty="0"/>
+                  <a:t>Mathematical Expression:</a:t>
+                </a:r>
+                <a:endParaRPr lang="en-US" dirty="0"/>
+              </a:p>
+              <a:p>
+                <a:pPr marL="400050" lvl="1" indent="0" algn="just">
+                  <a:lnSpc>
+                    <a:spcPct val="170000"/>
+                  </a:lnSpc>
+                  <a:spcBef>
+                    <a:spcPts val="0"/>
+                  </a:spcBef>
+                  <a:buNone/>
+                </a:pPr>
+                <a:r>
+                  <a:rPr lang="en-GB" dirty="0"/>
+                  <a:t>If 𝐸(𝑤) = frequency of error word 𝑤, and T = threshold:</a:t>
+                </a:r>
+                <a:endParaRPr lang="en-US" dirty="0"/>
+              </a:p>
+              <a:p>
+                <a:pPr marL="400050" lvl="1" indent="0" algn="just">
+                  <a:lnSpc>
+                    <a:spcPct val="170000"/>
+                  </a:lnSpc>
+                  <a:spcBef>
+                    <a:spcPts val="0"/>
+                  </a:spcBef>
+                  <a:buNone/>
+                </a:pPr>
+                <a14:m>
+                  <m:oMathPara xmlns:m="http://schemas.openxmlformats.org/officeDocument/2006/math">
+                    <m:oMathParaPr>
+                      <m:jc m:val="centerGroup"/>
+                    </m:oMathParaPr>
+                    <m:oMath xmlns:m="http://schemas.openxmlformats.org/officeDocument/2006/math">
+                      <m:r>
+                        <a:rPr lang="en-GB" i="1">
+                          <a:latin typeface="Cambria Math" panose="02040503050406030204" pitchFamily="18" charset="0"/>
+                        </a:rPr>
+                        <m:t>𝑐𝑜𝑟𝑟𝑒𝑐𝑡</m:t>
+                      </m:r>
+                      <m:d>
+                        <m:dPr>
+                          <m:ctrlPr>
+                            <a:rPr lang="en-US" i="1">
+                              <a:latin typeface="Cambria Math" panose="02040503050406030204" pitchFamily="18" charset="0"/>
+                            </a:rPr>
+                          </m:ctrlPr>
+                        </m:dPr>
+                        <m:e>
+                          <m:r>
+                            <a:rPr lang="en-GB" i="1">
+                              <a:latin typeface="Cambria Math" panose="02040503050406030204" pitchFamily="18" charset="0"/>
+                            </a:rPr>
+                            <m:t>𝑤</m:t>
+                          </m:r>
+                        </m:e>
+                      </m:d>
+                      <m:r>
+                        <a:rPr lang="en-GB" i="1">
+                          <a:latin typeface="Cambria Math" panose="02040503050406030204" pitchFamily="18" charset="0"/>
+                        </a:rPr>
+                        <m:t>={</m:t>
+                      </m:r>
+                      <m:m>
+                        <m:mPr>
+                          <m:mcs>
+                            <m:mc>
+                              <m:mcPr>
+                                <m:count m:val="2"/>
+                                <m:mcJc m:val="center"/>
+                              </m:mcPr>
+                            </m:mc>
+                          </m:mcs>
+                          <m:ctrlPr>
+                            <a:rPr lang="en-US" i="1">
+                              <a:latin typeface="Cambria Math" panose="02040503050406030204" pitchFamily="18" charset="0"/>
+                            </a:rPr>
+                          </m:ctrlPr>
+                        </m:mPr>
+                        <m:mr>
+                          <m:e>
+                            <m:r>
+                              <a:rPr lang="en-GB" i="1">
+                                <a:latin typeface="Cambria Math" panose="02040503050406030204" pitchFamily="18" charset="0"/>
+                              </a:rPr>
+                              <m:t>𝑚𝑎𝑝</m:t>
+                            </m:r>
+                            <m:r>
+                              <a:rPr lang="en-GB" i="1">
+                                <a:latin typeface="Cambria Math" panose="02040503050406030204" pitchFamily="18" charset="0"/>
+                              </a:rPr>
+                              <m:t>(</m:t>
+                            </m:r>
+                            <m:r>
+                              <a:rPr lang="en-GB" i="1">
+                                <a:latin typeface="Cambria Math" panose="02040503050406030204" pitchFamily="18" charset="0"/>
+                              </a:rPr>
+                              <m:t>𝑤</m:t>
+                            </m:r>
+                            <m:r>
+                              <a:rPr lang="en-GB" i="1">
+                                <a:latin typeface="Cambria Math" panose="02040503050406030204" pitchFamily="18" charset="0"/>
+                              </a:rPr>
+                              <m:t>)</m:t>
+                            </m:r>
+                          </m:e>
+                          <m:e>
+                            <m:r>
+                              <a:rPr lang="en-GB" i="1">
+                                <a:latin typeface="Cambria Math" panose="02040503050406030204" pitchFamily="18" charset="0"/>
+                              </a:rPr>
+                              <m:t>𝑖𝑓</m:t>
+                            </m:r>
+                            <m:r>
+                              <a:rPr lang="en-GB" i="1">
+                                <a:latin typeface="Cambria Math" panose="02040503050406030204" pitchFamily="18" charset="0"/>
+                              </a:rPr>
+                              <m:t> </m:t>
+                            </m:r>
+                            <m:r>
+                              <a:rPr lang="en-GB" i="1">
+                                <a:latin typeface="Cambria Math" panose="02040503050406030204" pitchFamily="18" charset="0"/>
+                              </a:rPr>
+                              <m:t>𝐸</m:t>
+                            </m:r>
+                            <m:d>
+                              <m:dPr>
+                                <m:ctrlPr>
+                                  <a:rPr lang="en-US" i="1">
+                                    <a:latin typeface="Cambria Math" panose="02040503050406030204" pitchFamily="18" charset="0"/>
+                                  </a:rPr>
+                                </m:ctrlPr>
+                              </m:dPr>
+                              <m:e>
+                                <m:r>
+                                  <a:rPr lang="en-GB" i="1">
+                                    <a:latin typeface="Cambria Math" panose="02040503050406030204" pitchFamily="18" charset="0"/>
+                                  </a:rPr>
+                                  <m:t>𝑤</m:t>
+                                </m:r>
+                              </m:e>
+                            </m:d>
+                            <m:r>
+                              <a:rPr lang="en-GB" i="1">
+                                <a:latin typeface="Cambria Math" panose="02040503050406030204" pitchFamily="18" charset="0"/>
+                              </a:rPr>
+                              <m:t>≥</m:t>
+                            </m:r>
+                            <m:r>
+                              <a:rPr lang="en-GB" i="1">
+                                <a:latin typeface="Cambria Math" panose="02040503050406030204" pitchFamily="18" charset="0"/>
+                              </a:rPr>
+                              <m:t>𝑇</m:t>
+                            </m:r>
+                          </m:e>
+                        </m:mr>
+                        <m:mr>
+                          <m:e>
+                            <m:r>
+                              <a:rPr lang="en-GB" i="1">
+                                <a:latin typeface="Cambria Math" panose="02040503050406030204" pitchFamily="18" charset="0"/>
+                              </a:rPr>
+                              <m:t>𝑤</m:t>
+                            </m:r>
+                          </m:e>
+                          <m:e>
+                            <m:r>
+                              <a:rPr lang="en-GB" i="1">
+                                <a:latin typeface="Cambria Math" panose="02040503050406030204" pitchFamily="18" charset="0"/>
+                              </a:rPr>
+                              <m:t>𝑜𝑡h𝑒𝑟𝑤𝑖𝑠𝑒</m:t>
+                            </m:r>
+                          </m:e>
+                        </m:mr>
+                      </m:m>
+                    </m:oMath>
+                  </m:oMathPara>
+                </a14:m>
+                <a:endParaRPr lang="en-US" dirty="0"/>
+              </a:p>
+              <a:p>
+                <a:pPr algn="just">
+                  <a:lnSpc>
+                    <a:spcPct val="170000"/>
+                  </a:lnSpc>
+                  <a:spcBef>
+                    <a:spcPts val="0"/>
+                  </a:spcBef>
+                </a:pPr>
+                <a:r>
+                  <a:rPr lang="en-GB" b="1" dirty="0"/>
+                  <a:t>Complexity:</a:t>
+                </a:r>
+                <a:endParaRPr lang="en-US" dirty="0"/>
+              </a:p>
+              <a:p>
+                <a:pPr lvl="1" algn="just">
+                  <a:lnSpc>
+                    <a:spcPct val="170000"/>
+                  </a:lnSpc>
+                  <a:spcBef>
+                    <a:spcPts val="0"/>
+                  </a:spcBef>
+                  <a:buFont typeface="Wingdings" panose="05000000000000000000" pitchFamily="2" charset="2"/>
+                  <a:buChar char="v"/>
+                </a:pPr>
+                <a:r>
+                  <a:rPr lang="en-GB" dirty="0"/>
+                  <a:t>Counting errors: O(N) for N words typed.</a:t>
+                </a:r>
+                <a:endParaRPr lang="en-US" dirty="0"/>
+              </a:p>
+              <a:p>
+                <a:pPr lvl="1" algn="just">
+                  <a:lnSpc>
+                    <a:spcPct val="170000"/>
+                  </a:lnSpc>
+                  <a:spcBef>
+                    <a:spcPts val="0"/>
+                  </a:spcBef>
+                  <a:buFont typeface="Wingdings" panose="05000000000000000000" pitchFamily="2" charset="2"/>
+                  <a:buChar char="v"/>
+                </a:pPr>
+                <a:r>
+                  <a:rPr lang="en-GB" dirty="0"/>
+                  <a:t>Lookup/correction: O(1) with hash map.</a:t>
+                </a:r>
+                <a:endParaRPr lang="en-US" dirty="0"/>
+              </a:p>
+              <a:p>
+                <a:pPr lvl="1" algn="just">
+                  <a:lnSpc>
+                    <a:spcPct val="170000"/>
+                  </a:lnSpc>
+                  <a:spcBef>
+                    <a:spcPts val="0"/>
+                  </a:spcBef>
+                  <a:buFont typeface="Wingdings" panose="05000000000000000000" pitchFamily="2" charset="2"/>
+                  <a:buChar char="v"/>
+                </a:pPr>
+                <a:r>
+                  <a:rPr lang="en-GB" dirty="0"/>
+                  <a:t>Overall: O(N</a:t>
+                </a:r>
+                <a:r>
+                  <a:rPr lang="en-GB" dirty="0" smtClean="0"/>
+                  <a:t>)</a:t>
+                </a:r>
+                <a:endParaRPr lang="en-US" dirty="0"/>
+              </a:p>
+            </p:txBody>
+          </p:sp>
+        </mc:Choice>
+        <mc:Fallback xmlns="">
+          <p:sp>
+            <p:nvSpPr>
+              <p:cNvPr id="4" name="Content Placeholder 3"/>
+              <p:cNvSpPr>
+                <a:spLocks noGrp="1" noRot="1" noChangeAspect="1" noMove="1" noResize="1" noEditPoints="1" noAdjustHandles="1" noChangeArrowheads="1" noChangeShapeType="1" noTextEdit="1"/>
+              </p:cNvSpPr>
+              <p:nvPr>
+                <p:ph sz="half" idx="2"/>
+              </p:nvPr>
+            </p:nvSpPr>
+            <p:spPr>
+              <a:blipFill rotWithShape="0">
+                <a:blip r:embed="rId2"/>
+                <a:stretch>
+                  <a:fillRect l="-566" r="-566"/>
+                </a:stretch>
+              </a:blipFill>
+            </p:spPr>
+            <p:txBody>
+              <a:bodyPr/>
+              <a:lstStyle/>
+              <a:p>
+                <a:r>
+                  <a:rPr lang="en-US">
+                    <a:noFill/>
+                  </a:rPr>
+                  <a:t> </a:t>
+                </a:r>
+              </a:p>
+            </p:txBody>
+          </p:sp>
+        </mc:Fallback>
+      </mc:AlternateContent>
+    </p:spTree>
+    <p:extLst>
+      <p:ext uri="{BB962C8B-B14F-4D97-AF65-F5344CB8AC3E}">
+        <p14:creationId xmlns:p14="http://schemas.microsoft.com/office/powerpoint/2010/main" val="559053947"/>
+      </p:ext>
+    </p:extLst>
+  </p:cSld>
+  <p:clrMapOvr>
+    <a:masterClrMapping/>
+  </p:clrMapOvr>
+</p:sld>
+</file>
+
+<file path=ppt/slides/slide11.xml><?xml version="1.0" encoding="utf-8"?>
 <p:sld xmlns:a="http://schemas.openxmlformats.org/drawingml/2006/main" xmlns:r="http://schemas.openxmlformats.org/officeDocument/2006/relationships" xmlns:p="http://schemas.openxmlformats.org/presentationml/2006/main">
   <p:cSld>
     <p:spTree>
@@ -8382,7 +8817,7 @@
 </p:sld>
 </file>
 
-<file path=ppt/slides/slide11.xml><?xml version="1.0" encoding="utf-8"?>
+<file path=ppt/slides/slide12.xml><?xml version="1.0" encoding="utf-8"?>
 <p:sld xmlns:a="http://schemas.openxmlformats.org/drawingml/2006/main" xmlns:r="http://schemas.openxmlformats.org/officeDocument/2006/relationships" xmlns:p="http://schemas.openxmlformats.org/presentationml/2006/main">
   <p:cSld>
     <p:spTree>
@@ -8621,8 +9056,8 @@
           </p:sp>
         </mc:Fallback>
       </mc:AlternateContent>
-      <mc:AlternateContent xmlns:mc="http://schemas.openxmlformats.org/markup-compatibility/2006">
-        <mc:Choice xmlns:a14="http://schemas.microsoft.com/office/drawing/2010/main" Requires="a14">
+      <mc:AlternateContent xmlns:mc="http://schemas.openxmlformats.org/markup-compatibility/2006" xmlns:a14="http://schemas.microsoft.com/office/drawing/2010/main">
+        <mc:Choice Requires="a14">
           <p:sp>
             <p:nvSpPr>
               <p:cNvPr id="4" name="Content Placeholder 3"/>
@@ -9088,7 +9523,7 @@
             </p:txBody>
           </p:sp>
         </mc:Choice>
-        <mc:Fallback>
+        <mc:Fallback xmlns="">
           <p:sp>
             <p:nvSpPr>
               <p:cNvPr id="4" name="Content Placeholder 3"/>
@@ -9142,7 +9577,7 @@
 </p:sld>
 </file>
 
-<file path=ppt/slides/slide12.xml><?xml version="1.0" encoding="utf-8"?>
+<file path=ppt/slides/slide13.xml><?xml version="1.0" encoding="utf-8"?>
 <p:sld xmlns:a="http://schemas.openxmlformats.org/drawingml/2006/main" xmlns:r="http://schemas.openxmlformats.org/officeDocument/2006/relationships" xmlns:p="http://schemas.openxmlformats.org/presentationml/2006/main">
   <p:cSld>
     <p:spTree>
@@ -9240,8 +9675,8 @@
           </a:p>
         </p:txBody>
       </p:sp>
-      <mc:AlternateContent xmlns:mc="http://schemas.openxmlformats.org/markup-compatibility/2006">
-        <mc:Choice xmlns:a14="http://schemas.microsoft.com/office/drawing/2010/main" Requires="a14">
+      <mc:AlternateContent xmlns:mc="http://schemas.openxmlformats.org/markup-compatibility/2006" xmlns:a14="http://schemas.microsoft.com/office/drawing/2010/main">
+        <mc:Choice Requires="a14">
           <p:sp>
             <p:nvSpPr>
               <p:cNvPr id="4" name="Content Placeholder 3"/>
@@ -9769,7 +10204,7 @@
             </p:txBody>
           </p:sp>
         </mc:Choice>
-        <mc:Fallback>
+        <mc:Fallback xmlns="">
           <p:sp>
             <p:nvSpPr>
               <p:cNvPr id="4" name="Content Placeholder 3"/>
@@ -9823,7 +10258,7 @@
 </p:sld>
 </file>
 
-<file path=ppt/slides/slide13.xml><?xml version="1.0" encoding="utf-8"?>
+<file path=ppt/slides/slide14.xml><?xml version="1.0" encoding="utf-8"?>
 <p:sld xmlns:a="http://schemas.openxmlformats.org/drawingml/2006/main" xmlns:r="http://schemas.openxmlformats.org/officeDocument/2006/relationships" xmlns:p="http://schemas.openxmlformats.org/presentationml/2006/main">
   <p:cSld>
     <p:spTree>
@@ -10237,7 +10672,7 @@
 </p:sld>
 </file>
 
-<file path=ppt/slides/slide14.xml><?xml version="1.0" encoding="utf-8"?>
+<file path=ppt/slides/slide15.xml><?xml version="1.0" encoding="utf-8"?>
 <p:sld xmlns:a="http://schemas.openxmlformats.org/drawingml/2006/main" xmlns:r="http://schemas.openxmlformats.org/officeDocument/2006/relationships" xmlns:p="http://schemas.openxmlformats.org/presentationml/2006/main">
   <p:cSld>
     <p:spTree>
@@ -10889,7 +11324,7 @@
 </p:sld>
 </file>
 
-<file path=ppt/slides/slide15.xml><?xml version="1.0" encoding="utf-8"?>
+<file path=ppt/slides/slide16.xml><?xml version="1.0" encoding="utf-8"?>
 <p:sld xmlns:a="http://schemas.openxmlformats.org/drawingml/2006/main" xmlns:r="http://schemas.openxmlformats.org/officeDocument/2006/relationships" xmlns:p="http://schemas.openxmlformats.org/presentationml/2006/main">
   <p:cSld>
     <p:spTree>
@@ -10976,7 +11411,7 @@
 </p:sld>
 </file>
 
-<file path=ppt/slides/slide16.xml><?xml version="1.0" encoding="utf-8"?>
+<file path=ppt/slides/slide17.xml><?xml version="1.0" encoding="utf-8"?>
 <p:sld xmlns:a="http://schemas.openxmlformats.org/drawingml/2006/main" xmlns:r="http://schemas.openxmlformats.org/officeDocument/2006/relationships" xmlns:p="http://schemas.openxmlformats.org/presentationml/2006/main">
   <p:cSld>
     <p:spTree>
@@ -11043,7 +11478,6 @@
               <a:rPr lang="en-US" dirty="0"/>
               <a:t>Users improve typing skills through structured practice and feedback, while personalized word sets ensure engaging learning and steady gains in speed, accuracy, and overall proficiency.</a:t>
             </a:r>
-            <a:endParaRPr lang="en-US" dirty="0"/>
           </a:p>
         </p:txBody>
       </p:sp>
@@ -12067,32 +12501,77 @@
             <a:spLocks noGrp="1"/>
           </p:cNvSpPr>
           <p:nvPr>
-            <p:ph type="ctrTitle"/>
+            <p:ph type="title"/>
           </p:nvPr>
         </p:nvSpPr>
-        <p:spPr/>
+        <p:spPr>
+          <a:xfrm>
+            <a:off x="2589212" y="2940844"/>
+            <a:ext cx="3505199" cy="976312"/>
+          </a:xfrm>
+        </p:spPr>
         <p:txBody>
           <a:bodyPr/>
           <a:lstStyle/>
           <a:p>
             <a:r>
+              <a:rPr lang="en-US" dirty="0"/>
+              <a:t>System Flow for </a:t>
+            </a:r>
+            <a:r>
               <a:rPr lang="en-US" dirty="0" smtClean="0"/>
-              <a:t>Algorithms Proposed</a:t>
+              <a:t>User</a:t>
             </a:r>
             <a:endParaRPr lang="en-US" dirty="0"/>
           </a:p>
         </p:txBody>
       </p:sp>
+      <p:pic>
+        <p:nvPicPr>
+          <p:cNvPr id="6" name="Content Placeholder 5"/>
+          <p:cNvPicPr>
+            <a:picLocks noGrp="1" noChangeAspect="1"/>
+          </p:cNvPicPr>
+          <p:nvPr>
+            <p:ph idx="1"/>
+          </p:nvPr>
+        </p:nvPicPr>
+        <p:blipFill>
+          <a:blip r:embed="rId2">
+            <a:extLst>
+              <a:ext uri="{28A0092B-C50C-407E-A947-70E740481C1C}">
+                <a14:useLocalDpi xmlns:a14="http://schemas.microsoft.com/office/drawing/2010/main" val="0"/>
+              </a:ext>
+            </a:extLst>
+          </a:blip>
+          <a:stretch>
+            <a:fillRect/>
+          </a:stretch>
+        </p:blipFill>
+        <p:spPr>
+          <a:xfrm>
+            <a:off x="6323013" y="1723204"/>
+            <a:ext cx="5181600" cy="3411592"/>
+          </a:xfrm>
+        </p:spPr>
+      </p:pic>
     </p:spTree>
     <p:extLst>
       <p:ext uri="{BB962C8B-B14F-4D97-AF65-F5344CB8AC3E}">
-        <p14:creationId xmlns:p14="http://schemas.microsoft.com/office/powerpoint/2010/main" val="2166397693"/>
+        <p14:creationId xmlns:p14="http://schemas.microsoft.com/office/powerpoint/2010/main" val="2345968084"/>
       </p:ext>
     </p:extLst>
   </p:cSld>
   <p:clrMapOvr>
     <a:masterClrMapping/>
   </p:clrMapOvr>
+  <p:timing>
+    <p:tnLst>
+      <p:par>
+        <p:cTn id="1" dur="indefinite" restart="never" nodeType="tmRoot"/>
+      </p:par>
+    </p:tnLst>
+  </p:timing>
 </p:sld>
 </file>
 
@@ -12120,7 +12599,7 @@
             <a:spLocks noGrp="1"/>
           </p:cNvSpPr>
           <p:nvPr>
-            <p:ph type="title"/>
+            <p:ph type="ctrTitle"/>
           </p:nvPr>
         </p:nvSpPr>
         <p:spPr/>
@@ -12128,405 +12607,31 @@
           <a:bodyPr/>
           <a:lstStyle/>
           <a:p>
-            <a:pPr>
-              <a:lnSpc>
-                <a:spcPct val="150000"/>
-              </a:lnSpc>
-            </a:pPr>
-            <a:r>
-              <a:rPr lang="en-US" dirty="0"/>
-              <a:t>Error Frequency Analysis (Rule-Based)</a:t>
-            </a:r>
+            <a:r>
+              <a:rPr lang="en-US" dirty="0" smtClean="0"/>
+              <a:t>Algorithms Proposed</a:t>
+            </a:r>
+            <a:endParaRPr lang="en-US" dirty="0"/>
           </a:p>
         </p:txBody>
       </p:sp>
-      <p:sp>
-        <p:nvSpPr>
-          <p:cNvPr id="3" name="Content Placeholder 2"/>
-          <p:cNvSpPr>
-            <a:spLocks noGrp="1"/>
-          </p:cNvSpPr>
-          <p:nvPr>
-            <p:ph sz="half" idx="1"/>
-          </p:nvPr>
-        </p:nvSpPr>
-        <p:spPr/>
-        <p:txBody>
-          <a:bodyPr>
-            <a:normAutofit fontScale="85000" lnSpcReduction="20000"/>
-          </a:bodyPr>
-          <a:lstStyle/>
-          <a:p>
-            <a:pPr algn="just">
-              <a:lnSpc>
-                <a:spcPct val="160000"/>
-              </a:lnSpc>
-              <a:spcBef>
-                <a:spcPts val="0"/>
-              </a:spcBef>
-            </a:pPr>
-            <a:r>
-              <a:rPr lang="en-US" dirty="0"/>
-              <a:t>Checks how often a user makes the same error (like typing "</a:t>
-            </a:r>
-            <a:r>
-              <a:rPr lang="en-US" dirty="0" err="1"/>
-              <a:t>teh</a:t>
-            </a:r>
-            <a:r>
-              <a:rPr lang="en-US" dirty="0"/>
-              <a:t>").</a:t>
-            </a:r>
-          </a:p>
-          <a:p>
-            <a:pPr algn="just">
-              <a:lnSpc>
-                <a:spcPct val="160000"/>
-              </a:lnSpc>
-              <a:spcBef>
-                <a:spcPts val="0"/>
-              </a:spcBef>
-            </a:pPr>
-            <a:r>
-              <a:rPr lang="en-US" dirty="0"/>
-              <a:t>If the error frequency crosses a threshold → applies a correction rule automatically</a:t>
-            </a:r>
-            <a:r>
-              <a:rPr lang="en-US" dirty="0" smtClean="0"/>
-              <a:t>.</a:t>
-            </a:r>
-            <a:endParaRPr lang="en-US" dirty="0"/>
-          </a:p>
-        </p:txBody>
-      </p:sp>
-      <mc:AlternateContent xmlns:mc="http://schemas.openxmlformats.org/markup-compatibility/2006" xmlns:a14="http://schemas.microsoft.com/office/drawing/2010/main">
-        <mc:Choice Requires="a14">
-          <p:sp>
-            <p:nvSpPr>
-              <p:cNvPr id="4" name="Content Placeholder 3"/>
-              <p:cNvSpPr>
-                <a:spLocks noGrp="1"/>
-              </p:cNvSpPr>
-              <p:nvPr>
-                <p:ph sz="half" idx="2"/>
-              </p:nvPr>
-            </p:nvSpPr>
-            <p:spPr/>
-            <p:txBody>
-              <a:bodyPr>
-                <a:normAutofit fontScale="85000" lnSpcReduction="20000"/>
-              </a:bodyPr>
-              <a:lstStyle/>
-              <a:p>
-                <a:pPr algn="just">
-                  <a:lnSpc>
-                    <a:spcPct val="170000"/>
-                  </a:lnSpc>
-                  <a:spcBef>
-                    <a:spcPts val="0"/>
-                  </a:spcBef>
-                </a:pPr>
-                <a:r>
-                  <a:rPr lang="en-GB" b="1" dirty="0"/>
-                  <a:t>Mathematical Expression:</a:t>
-                </a:r>
-                <a:endParaRPr lang="en-US" dirty="0"/>
-              </a:p>
-              <a:p>
-                <a:pPr marL="400050" lvl="1" indent="0" algn="just">
-                  <a:lnSpc>
-                    <a:spcPct val="170000"/>
-                  </a:lnSpc>
-                  <a:spcBef>
-                    <a:spcPts val="0"/>
-                  </a:spcBef>
-                  <a:buNone/>
-                </a:pPr>
-                <a:r>
-                  <a:rPr lang="en-GB" dirty="0"/>
-                  <a:t>If 𝐸(𝑤) = frequency of error word 𝑤, and T = threshold:</a:t>
-                </a:r>
-                <a:endParaRPr lang="en-US" dirty="0"/>
-              </a:p>
-              <a:p>
-                <a:pPr marL="400050" lvl="1" indent="0" algn="just">
-                  <a:lnSpc>
-                    <a:spcPct val="170000"/>
-                  </a:lnSpc>
-                  <a:spcBef>
-                    <a:spcPts val="0"/>
-                  </a:spcBef>
-                  <a:buNone/>
-                </a:pPr>
-                <a14:m>
-                  <m:oMathPara xmlns:m="http://schemas.openxmlformats.org/officeDocument/2006/math">
-                    <m:oMathParaPr>
-                      <m:jc m:val="centerGroup"/>
-                    </m:oMathParaPr>
-                    <m:oMath xmlns:m="http://schemas.openxmlformats.org/officeDocument/2006/math">
-                      <m:r>
-                        <a:rPr lang="en-GB" i="1">
-                          <a:latin typeface="Cambria Math" panose="02040503050406030204" pitchFamily="18" charset="0"/>
-                        </a:rPr>
-                        <m:t>𝑐𝑜𝑟𝑟𝑒𝑐𝑡</m:t>
-                      </m:r>
-                      <m:d>
-                        <m:dPr>
-                          <m:ctrlPr>
-                            <a:rPr lang="en-US" i="1">
-                              <a:latin typeface="Cambria Math" panose="02040503050406030204" pitchFamily="18" charset="0"/>
-                            </a:rPr>
-                          </m:ctrlPr>
-                        </m:dPr>
-                        <m:e>
-                          <m:r>
-                            <a:rPr lang="en-GB" i="1">
-                              <a:latin typeface="Cambria Math" panose="02040503050406030204" pitchFamily="18" charset="0"/>
-                            </a:rPr>
-                            <m:t>𝑤</m:t>
-                          </m:r>
-                        </m:e>
-                      </m:d>
-                      <m:r>
-                        <a:rPr lang="en-GB" i="1">
-                          <a:latin typeface="Cambria Math" panose="02040503050406030204" pitchFamily="18" charset="0"/>
-                        </a:rPr>
-                        <m:t>={</m:t>
-                      </m:r>
-                      <m:m>
-                        <m:mPr>
-                          <m:mcs>
-                            <m:mc>
-                              <m:mcPr>
-                                <m:count m:val="2"/>
-                                <m:mcJc m:val="center"/>
-                              </m:mcPr>
-                            </m:mc>
-                          </m:mcs>
-                          <m:ctrlPr>
-                            <a:rPr lang="en-US" i="1">
-                              <a:latin typeface="Cambria Math" panose="02040503050406030204" pitchFamily="18" charset="0"/>
-                            </a:rPr>
-                          </m:ctrlPr>
-                        </m:mPr>
-                        <m:mr>
-                          <m:e>
-                            <m:r>
-                              <a:rPr lang="en-GB" i="1">
-                                <a:latin typeface="Cambria Math" panose="02040503050406030204" pitchFamily="18" charset="0"/>
-                              </a:rPr>
-                              <m:t>𝑚𝑎𝑝</m:t>
-                            </m:r>
-                            <m:r>
-                              <a:rPr lang="en-GB" i="1">
-                                <a:latin typeface="Cambria Math" panose="02040503050406030204" pitchFamily="18" charset="0"/>
-                              </a:rPr>
-                              <m:t>(</m:t>
-                            </m:r>
-                            <m:r>
-                              <a:rPr lang="en-GB" i="1">
-                                <a:latin typeface="Cambria Math" panose="02040503050406030204" pitchFamily="18" charset="0"/>
-                              </a:rPr>
-                              <m:t>𝑤</m:t>
-                            </m:r>
-                            <m:r>
-                              <a:rPr lang="en-GB" i="1">
-                                <a:latin typeface="Cambria Math" panose="02040503050406030204" pitchFamily="18" charset="0"/>
-                              </a:rPr>
-                              <m:t>)</m:t>
-                            </m:r>
-                          </m:e>
-                          <m:e>
-                            <m:r>
-                              <a:rPr lang="en-GB" i="1">
-                                <a:latin typeface="Cambria Math" panose="02040503050406030204" pitchFamily="18" charset="0"/>
-                              </a:rPr>
-                              <m:t>𝑖𝑓</m:t>
-                            </m:r>
-                            <m:r>
-                              <a:rPr lang="en-GB" i="1">
-                                <a:latin typeface="Cambria Math" panose="02040503050406030204" pitchFamily="18" charset="0"/>
-                              </a:rPr>
-                              <m:t> </m:t>
-                            </m:r>
-                            <m:r>
-                              <a:rPr lang="en-GB" i="1">
-                                <a:latin typeface="Cambria Math" panose="02040503050406030204" pitchFamily="18" charset="0"/>
-                              </a:rPr>
-                              <m:t>𝐸</m:t>
-                            </m:r>
-                            <m:d>
-                              <m:dPr>
-                                <m:ctrlPr>
-                                  <a:rPr lang="en-US" i="1">
-                                    <a:latin typeface="Cambria Math" panose="02040503050406030204" pitchFamily="18" charset="0"/>
-                                  </a:rPr>
-                                </m:ctrlPr>
-                              </m:dPr>
-                              <m:e>
-                                <m:r>
-                                  <a:rPr lang="en-GB" i="1">
-                                    <a:latin typeface="Cambria Math" panose="02040503050406030204" pitchFamily="18" charset="0"/>
-                                  </a:rPr>
-                                  <m:t>𝑤</m:t>
-                                </m:r>
-                              </m:e>
-                            </m:d>
-                            <m:r>
-                              <a:rPr lang="en-GB" i="1">
-                                <a:latin typeface="Cambria Math" panose="02040503050406030204" pitchFamily="18" charset="0"/>
-                              </a:rPr>
-                              <m:t>≥</m:t>
-                            </m:r>
-                            <m:r>
-                              <a:rPr lang="en-GB" i="1">
-                                <a:latin typeface="Cambria Math" panose="02040503050406030204" pitchFamily="18" charset="0"/>
-                              </a:rPr>
-                              <m:t>𝑇</m:t>
-                            </m:r>
-                          </m:e>
-                        </m:mr>
-                        <m:mr>
-                          <m:e>
-                            <m:r>
-                              <a:rPr lang="en-GB" i="1">
-                                <a:latin typeface="Cambria Math" panose="02040503050406030204" pitchFamily="18" charset="0"/>
-                              </a:rPr>
-                              <m:t>𝑤</m:t>
-                            </m:r>
-                          </m:e>
-                          <m:e>
-                            <m:r>
-                              <a:rPr lang="en-GB" i="1">
-                                <a:latin typeface="Cambria Math" panose="02040503050406030204" pitchFamily="18" charset="0"/>
-                              </a:rPr>
-                              <m:t>𝑜𝑡h𝑒𝑟𝑤𝑖𝑠𝑒</m:t>
-                            </m:r>
-                          </m:e>
-                        </m:mr>
-                      </m:m>
-                    </m:oMath>
-                  </m:oMathPara>
-                </a14:m>
-                <a:endParaRPr lang="en-US" dirty="0"/>
-              </a:p>
-              <a:p>
-                <a:pPr algn="just">
-                  <a:lnSpc>
-                    <a:spcPct val="170000"/>
-                  </a:lnSpc>
-                  <a:spcBef>
-                    <a:spcPts val="0"/>
-                  </a:spcBef>
-                </a:pPr>
-                <a:r>
-                  <a:rPr lang="en-GB" b="1" dirty="0"/>
-                  <a:t>Complexity:</a:t>
-                </a:r>
-                <a:endParaRPr lang="en-US" dirty="0"/>
-              </a:p>
-              <a:p>
-                <a:pPr lvl="1" algn="just">
-                  <a:lnSpc>
-                    <a:spcPct val="170000"/>
-                  </a:lnSpc>
-                  <a:spcBef>
-                    <a:spcPts val="0"/>
-                  </a:spcBef>
-                  <a:buFont typeface="Wingdings" panose="05000000000000000000" pitchFamily="2" charset="2"/>
-                  <a:buChar char="v"/>
-                </a:pPr>
-                <a:r>
-                  <a:rPr lang="en-GB" dirty="0"/>
-                  <a:t>Counting errors: O(N) for N words typed.</a:t>
-                </a:r>
-                <a:endParaRPr lang="en-US" dirty="0"/>
-              </a:p>
-              <a:p>
-                <a:pPr lvl="1" algn="just">
-                  <a:lnSpc>
-                    <a:spcPct val="170000"/>
-                  </a:lnSpc>
-                  <a:spcBef>
-                    <a:spcPts val="0"/>
-                  </a:spcBef>
-                  <a:buFont typeface="Wingdings" panose="05000000000000000000" pitchFamily="2" charset="2"/>
-                  <a:buChar char="v"/>
-                </a:pPr>
-                <a:r>
-                  <a:rPr lang="en-GB" dirty="0"/>
-                  <a:t>Lookup/correction: O(1) with hash map.</a:t>
-                </a:r>
-                <a:endParaRPr lang="en-US" dirty="0"/>
-              </a:p>
-              <a:p>
-                <a:pPr lvl="1" algn="just">
-                  <a:lnSpc>
-                    <a:spcPct val="170000"/>
-                  </a:lnSpc>
-                  <a:spcBef>
-                    <a:spcPts val="0"/>
-                  </a:spcBef>
-                  <a:buFont typeface="Wingdings" panose="05000000000000000000" pitchFamily="2" charset="2"/>
-                  <a:buChar char="v"/>
-                </a:pPr>
-                <a:r>
-                  <a:rPr lang="en-GB" dirty="0"/>
-                  <a:t>Overall: O(N</a:t>
-                </a:r>
-                <a:r>
-                  <a:rPr lang="en-GB" dirty="0" smtClean="0"/>
-                  <a:t>)</a:t>
-                </a:r>
-                <a:endParaRPr lang="en-US" dirty="0"/>
-              </a:p>
-            </p:txBody>
-          </p:sp>
-        </mc:Choice>
-        <mc:Fallback xmlns="">
-          <p:sp>
-            <p:nvSpPr>
-              <p:cNvPr id="4" name="Content Placeholder 3"/>
-              <p:cNvSpPr>
-                <a:spLocks noGrp="1" noRot="1" noChangeAspect="1" noMove="1" noResize="1" noEditPoints="1" noAdjustHandles="1" noChangeArrowheads="1" noChangeShapeType="1" noTextEdit="1"/>
-              </p:cNvSpPr>
-              <p:nvPr>
-                <p:ph sz="half" idx="2"/>
-              </p:nvPr>
-            </p:nvSpPr>
-            <p:spPr>
-              <a:blipFill rotWithShape="0">
-                <a:blip r:embed="rId2"/>
-                <a:stretch>
-                  <a:fillRect l="-566" r="-566"/>
-                </a:stretch>
-              </a:blipFill>
-            </p:spPr>
-            <p:txBody>
-              <a:bodyPr/>
-              <a:lstStyle/>
-              <a:p>
-                <a:r>
-                  <a:rPr lang="en-US">
-                    <a:noFill/>
-                  </a:rPr>
-                  <a:t> </a:t>
-                </a:r>
-              </a:p>
-            </p:txBody>
-          </p:sp>
-        </mc:Fallback>
-      </mc:AlternateContent>
     </p:spTree>
     <p:extLst>
       <p:ext uri="{BB962C8B-B14F-4D97-AF65-F5344CB8AC3E}">
-        <p14:creationId xmlns:p14="http://schemas.microsoft.com/office/powerpoint/2010/main" val="559053947"/>
+        <p14:creationId xmlns:p14="http://schemas.microsoft.com/office/powerpoint/2010/main" val="2166397693"/>
       </p:ext>
     </p:extLst>
   </p:cSld>
   <p:clrMapOvr>
     <a:masterClrMapping/>
   </p:clrMapOvr>
+  <p:timing>
+    <p:tnLst>
+      <p:par>
+        <p:cTn id="1" dur="indefinite" restart="never" nodeType="tmRoot"/>
+      </p:par>
+    </p:tnLst>
+  </p:timing>
 </p:sld>
 </file>
 
